--- a/segmentation-data/newppt.pptx
+++ b/segmentation-data/newppt.pptx
@@ -858,41 +858,47 @@
           </c:dLbls>
           <c:cat>
             <c:strRef>
-              <c:f>Sheet1!$A$2:$A$5</c:f>
+              <c:f>Sheet1!$A$2:$A$6</c:f>
               <c:strCache>
-                <c:ptCount val="4"/>
+                <c:ptCount val="5"/>
                 <c:pt idx="0">
+                  <c:v>Deal Seeker</c:v>
+                </c:pt>
+                <c:pt idx="1">
+                  <c:v>Trend Embracer</c:v>
+                </c:pt>
+                <c:pt idx="2">
+                  <c:v>Pragmatists</c:v>
+                </c:pt>
+                <c:pt idx="3">
                   <c:v>Achiever</c:v>
                 </c:pt>
-                <c:pt idx="1">
-                  <c:v>Deal Seeker</c:v>
-                </c:pt>
-                <c:pt idx="2">
+                <c:pt idx="4">
                   <c:v>Influencer</c:v>
-                </c:pt>
-                <c:pt idx="3">
-                  <c:v>Pragmatists</c:v>
                 </c:pt>
               </c:strCache>
             </c:strRef>
           </c:cat>
           <c:val>
             <c:numRef>
-              <c:f>Sheet1!$B$2:$B$5</c:f>
+              <c:f>Sheet1!$B$2:$B$6</c:f>
               <c:numCache>
                 <c:formatCode>General</c:formatCode>
-                <c:ptCount val="4"/>
+                <c:ptCount val="5"/>
                 <c:pt idx="0">
-                  <c:v>0.67</c:v>
+                  <c:v>0.26</c:v>
                 </c:pt>
                 <c:pt idx="1">
-                  <c:v>0.31</c:v>
+                  <c:v>0.22</c:v>
                 </c:pt>
                 <c:pt idx="2">
-                  <c:v>0.02</c:v>
+                  <c:v>0.22</c:v>
                 </c:pt>
                 <c:pt idx="3">
-                  <c:v>0.0</c:v>
+                  <c:v>0.21</c:v>
+                </c:pt>
+                <c:pt idx="4">
+                  <c:v>0.09</c:v>
                 </c:pt>
               </c:numCache>
             </c:numRef>
@@ -6864,7 +6870,7 @@
           <a:lstStyle/>
           <a:p>
             <a:r>
-              <a:t>How much do you agree or disagree to these statements describing your lifestyle? (n = 4923)</a:t>
+              <a:t>How much do you agree or disagree to these statements describing your lifestyle? (n = 441)</a:t>
             </a:r>
           </a:p>
         </p:txBody>
